--- a/inflearn05/doc/5(심화) 오류가 발생했을때 사용자와 개발자는 서로 다른 정보가 필요합니다..pptx
+++ b/inflearn05/doc/5(심화) 오류가 발생했을때 사용자와 개발자는 서로 다른 정보가 필요합니다..pptx
@@ -640,7 +640,7 @@
                 <a:latin typeface="맑은 고딕" panose="020B0503020000020004" pitchFamily="50" charset="-127"/>
                 <a:ea typeface="맑은 고딕" panose="020B0503020000020004" pitchFamily="50" charset="-127"/>
               </a:rPr>
-              <a:t>2021년 7월 16일</a:t>
+              <a:t>2021년 7월 17일</a:t>
             </a:fld>
             <a:endParaRPr lang="ko-KR" altLang="en-US">
               <a:latin typeface="맑은 고딕" panose="020B0503020000020004" pitchFamily="50" charset="-127"/>
@@ -826,7 +826,7 @@
             <a:fld id="{BE16EC8A-0758-4FA9-BF4D-3119057076D1}" type="datetime4">
               <a:rPr lang="ko-KR" altLang="en-US" smtClean="0"/>
               <a:pPr/>
-              <a:t>2021년 7월 16일</a:t>
+              <a:t>2021년 7월 17일</a:t>
             </a:fld>
             <a:endParaRPr lang="ko-KR" altLang="en-US"/>
           </a:p>
@@ -3308,7 +3308,7 @@
           <a:p>
             <a:fld id="{2A5B65E4-62A8-4988-B07B-5D6D443B14ED}" type="datetime4">
               <a:rPr lang="ko-KR" altLang="en-US" smtClean="0"/>
-              <a:t>2021년 7월 16일</a:t>
+              <a:t>2021년 7월 17일</a:t>
             </a:fld>
             <a:endParaRPr lang="ko-KR" altLang="en-US"/>
           </a:p>
@@ -3564,7 +3564,7 @@
           <a:p>
             <a:fld id="{58EB6286-0DE7-4336-9826-977AD102FCF2}" type="datetime4">
               <a:rPr lang="ko-KR" altLang="en-US" noProof="0" smtClean="0"/>
-              <a:t>2021년 7월 16일</a:t>
+              <a:t>2021년 7월 17일</a:t>
             </a:fld>
             <a:endParaRPr lang="ko-KR" altLang="en-US" noProof="0"/>
           </a:p>
@@ -3760,7 +3760,7 @@
             <a:pPr rtl="0"/>
             <a:fld id="{6A5419DA-7218-42E5-A443-F000500111E1}" type="datetime4">
               <a:rPr lang="ko-KR" altLang="en-US" noProof="0" smtClean="0"/>
-              <a:t>2021년 7월 16일</a:t>
+              <a:t>2021년 7월 17일</a:t>
             </a:fld>
             <a:endParaRPr lang="ko-KR" altLang="en-US" noProof="0"/>
           </a:p>
@@ -6161,7 +6161,7 @@
           <a:p>
             <a:fld id="{E498C52F-1DF1-4226-BAB6-C1E2EE4C9D62}" type="datetime4">
               <a:rPr lang="ko-KR" altLang="en-US" noProof="0" smtClean="0"/>
-              <a:t>2021년 7월 16일</a:t>
+              <a:t>2021년 7월 17일</a:t>
             </a:fld>
             <a:endParaRPr lang="ko-KR" altLang="en-US" noProof="0"/>
           </a:p>
@@ -6680,7 +6680,7 @@
           <a:p>
             <a:fld id="{7B1E1FFC-F755-4558-8D3C-A157D1A01A8A}" type="datetime4">
               <a:rPr lang="ko-KR" altLang="en-US" noProof="0" smtClean="0"/>
-              <a:t>2021년 7월 16일</a:t>
+              <a:t>2021년 7월 17일</a:t>
             </a:fld>
             <a:endParaRPr lang="ko-KR" altLang="en-US" noProof="0"/>
           </a:p>
@@ -6824,7 +6824,7 @@
             <a:pPr rtl="0"/>
             <a:fld id="{DA2A33C0-A4A8-4C90-B6DA-35B8CF58C816}" type="datetime4">
               <a:rPr lang="ko-KR" altLang="en-US" noProof="0" smtClean="0"/>
-              <a:t>2021년 7월 16일</a:t>
+              <a:t>2021년 7월 17일</a:t>
             </a:fld>
             <a:endParaRPr lang="ko-KR" altLang="en-US" noProof="0"/>
           </a:p>
@@ -8772,7 +8772,7 @@
           <a:p>
             <a:fld id="{53CB1B8F-A14A-4BE4-A9B9-3B263F04145C}" type="datetime4">
               <a:rPr lang="ko-KR" altLang="en-US" noProof="0" smtClean="0"/>
-              <a:t>2021년 7월 16일</a:t>
+              <a:t>2021년 7월 17일</a:t>
             </a:fld>
             <a:endParaRPr lang="ko-KR" altLang="en-US" noProof="0"/>
           </a:p>
@@ -11069,7 +11069,7 @@
           <a:p>
             <a:fld id="{5B9196A3-957C-4113-A568-B6ED9AEA3D01}" type="datetime4">
               <a:rPr lang="ko-KR" altLang="en-US" noProof="0" smtClean="0"/>
-              <a:t>2021년 7월 16일</a:t>
+              <a:t>2021년 7월 17일</a:t>
             </a:fld>
             <a:endParaRPr lang="ko-KR" altLang="en-US" noProof="0"/>
           </a:p>
@@ -15386,7 +15386,7 @@
           <a:p>
             <a:fld id="{28BEB146-D335-4DA5-9826-58595BCDBE2E}" type="datetime4">
               <a:rPr lang="ko-KR" altLang="en-US" noProof="0" smtClean="0"/>
-              <a:t>2021년 7월 16일</a:t>
+              <a:t>2021년 7월 17일</a:t>
             </a:fld>
             <a:endParaRPr lang="ko-KR" altLang="en-US" noProof="0"/>
           </a:p>
@@ -15868,6 +15868,13 @@
           <a:p>
             <a:r>
               <a:rPr lang="ko-KR" altLang="en-US"/>
+              <a:t>일반적인</a:t>
+            </a:r>
+            <a:br>
+              <a:rPr lang="en-US" altLang="ko-KR"/>
+            </a:br>
+            <a:r>
+              <a:rPr lang="ko-KR" altLang="en-US"/>
               <a:t>오류</a:t>
             </a:r>
             <a:r>
@@ -16076,6 +16083,13 @@
           <a:p>
             <a:r>
               <a:rPr lang="ko-KR" altLang="en-US"/>
+              <a:t>개발자 관점의</a:t>
+            </a:r>
+            <a:br>
+              <a:rPr lang="en-US" altLang="ko-KR"/>
+            </a:br>
+            <a:r>
+              <a:rPr lang="ko-KR" altLang="en-US"/>
               <a:t>오류</a:t>
             </a:r>
             <a:r>
@@ -16084,7 +16098,7 @@
             </a:r>
             <a:r>
               <a:rPr lang="ko-KR" altLang="en-US"/>
-              <a:t>의 종류</a:t>
+              <a:t> 종류</a:t>
             </a:r>
           </a:p>
         </p:txBody>
@@ -16320,7 +16334,7 @@
             </a:r>
             <a:r>
               <a:rPr lang="ko-KR" altLang="en-US"/>
-              <a:t>으로 포장</a:t>
+              <a:t>로 포장</a:t>
             </a:r>
             <a:endParaRPr lang="en-US" altLang="ko-KR"/>
           </a:p>
@@ -16372,7 +16386,7 @@
                   <a:srgbClr val="FF0000"/>
                 </a:solidFill>
               </a:rPr>
-              <a:t>절대로 실행된 환경 정보를 알려줘선 안됨</a:t>
+              <a:t>절대로 오류가 발생한 시스템 정보를 보여줘선 안됨</a:t>
             </a:r>
             <a:endParaRPr lang="en-US" altLang="ko-KR">
               <a:solidFill>
@@ -16411,7 +16425,7 @@
                   <a:srgbClr val="FF0000"/>
                 </a:solidFill>
               </a:rPr>
-              <a:t>절대로 실행된 환경 정보가 필요함</a:t>
+              <a:t>반드시 오류가 발생한 시스템 정보가 필요함</a:t>
             </a:r>
             <a:endParaRPr lang="en-US" altLang="ko-KR"/>
           </a:p>
